--- a/Presentation/2021.6.9 UW FinTech Project 2_v1.pptx
+++ b/Presentation/2021.6.9 UW FinTech Project 2_v1.pptx
@@ -209,7 +209,7 @@
   <pc:docChgLst>
     <pc:chgData name="John-Francis Kraemer" userId="a504945a82b8aeaf" providerId="LiveId" clId="{0A3B1E4D-0810-4B23-9CFA-98E70DE9E4FF}"/>
     <pc:docChg chg="undo redo custSel addSld delSld modSld sldOrd">
-      <pc:chgData name="John-Francis Kraemer" userId="a504945a82b8aeaf" providerId="LiveId" clId="{0A3B1E4D-0810-4B23-9CFA-98E70DE9E4FF}" dt="2021-06-10T00:53:53.853" v="2501" actId="20577"/>
+      <pc:chgData name="John-Francis Kraemer" userId="a504945a82b8aeaf" providerId="LiveId" clId="{0A3B1E4D-0810-4B23-9CFA-98E70DE9E4FF}" dt="2021-06-10T01:50:04.917" v="2524" actId="478"/>
       <pc:docMkLst>
         <pc:docMk/>
       </pc:docMkLst>
@@ -361,13 +361,13 @@
         </pc:picChg>
       </pc:sldChg>
       <pc:sldChg chg="addSp delSp modSp mod">
-        <pc:chgData name="John-Francis Kraemer" userId="a504945a82b8aeaf" providerId="LiveId" clId="{0A3B1E4D-0810-4B23-9CFA-98E70DE9E4FF}" dt="2021-06-10T00:49:01.805" v="2409" actId="207"/>
+        <pc:chgData name="John-Francis Kraemer" userId="a504945a82b8aeaf" providerId="LiveId" clId="{0A3B1E4D-0810-4B23-9CFA-98E70DE9E4FF}" dt="2021-06-10T01:50:04.917" v="2524" actId="478"/>
         <pc:sldMkLst>
           <pc:docMk/>
           <pc:sldMk cId="3180298307" sldId="1623"/>
         </pc:sldMkLst>
         <pc:spChg chg="add del">
-          <ac:chgData name="John-Francis Kraemer" userId="a504945a82b8aeaf" providerId="LiveId" clId="{0A3B1E4D-0810-4B23-9CFA-98E70DE9E4FF}" dt="2021-06-10T00:48:57.887" v="2408" actId="478"/>
+          <ac:chgData name="John-Francis Kraemer" userId="a504945a82b8aeaf" providerId="LiveId" clId="{0A3B1E4D-0810-4B23-9CFA-98E70DE9E4FF}" dt="2021-06-10T01:50:04.917" v="2524" actId="478"/>
           <ac:spMkLst>
             <pc:docMk/>
             <pc:sldMk cId="3180298307" sldId="1623"/>
@@ -375,7 +375,7 @@
           </ac:spMkLst>
         </pc:spChg>
         <pc:spChg chg="mod">
-          <ac:chgData name="John-Francis Kraemer" userId="a504945a82b8aeaf" providerId="LiveId" clId="{0A3B1E4D-0810-4B23-9CFA-98E70DE9E4FF}" dt="2021-06-10T00:49:01.805" v="2409" actId="207"/>
+          <ac:chgData name="John-Francis Kraemer" userId="a504945a82b8aeaf" providerId="LiveId" clId="{0A3B1E4D-0810-4B23-9CFA-98E70DE9E4FF}" dt="2021-06-10T01:49:57.108" v="2523" actId="6549"/>
           <ac:spMkLst>
             <pc:docMk/>
             <pc:sldMk cId="3180298307" sldId="1623"/>
@@ -4514,53 +4514,88 @@
           <a:p>
             <a:r>
               <a:rPr lang="en-US" sz="2000" dirty="0"/>
-              <a:t>Visual demonstration of how to estimate housing prices using the selected metrics using the [xx] graphical user interface   </a:t>
-            </a:r>
-          </a:p>
-        </p:txBody>
-      </p:sp>
-      <p:sp>
-        <p:nvSpPr>
-          <p:cNvPr id="5" name="TextBox 4">
-            <a:extLst>
-              <a:ext uri="{FF2B5EF4-FFF2-40B4-BE49-F238E27FC236}">
-                <a16:creationId xmlns:a16="http://schemas.microsoft.com/office/drawing/2014/main" id="{0FF1560B-F863-4317-A894-D5331B6A2EB8}"/>
-              </a:ext>
-            </a:extLst>
-          </p:cNvPr>
-          <p:cNvSpPr txBox="1"/>
-          <p:nvPr/>
-        </p:nvSpPr>
-        <p:spPr>
-          <a:xfrm>
-            <a:off x="6096000" y="76200"/>
-            <a:ext cx="1371600" cy="492443"/>
-          </a:xfrm>
-          <a:prstGeom prst="rect">
-            <a:avLst/>
-          </a:prstGeom>
-          <a:solidFill>
-            <a:schemeClr val="bg1"/>
-          </a:solidFill>
-          <a:ln>
-            <a:solidFill>
-              <a:srgbClr val="FF0000"/>
-            </a:solidFill>
-          </a:ln>
-        </p:spPr>
-        <p:txBody>
-          <a:bodyPr wrap="square" rtlCol="0">
-            <a:spAutoFit/>
-          </a:bodyPr>
-          <a:lstStyle/>
-          <a:p>
-            <a:r>
-              <a:rPr lang="en-US" sz="2600" b="1" dirty="0">
-                <a:solidFill>
-                  <a:srgbClr val="FF0000"/>
-                </a:solidFill>
-              </a:rPr>
-              <a:t>Update</a:t>
+              <a:t>Visual demonstration of how to estimate housing prices using the selected metrics using the </a:t>
+            </a:r>
+            <a:r>
+              <a:rPr lang="en-US" sz="2000" dirty="0" err="1"/>
+              <a:t>tkinter</a:t>
+            </a:r>
+            <a:r>
+              <a:rPr lang="en-US" sz="2000" dirty="0"/>
+              <a:t> graphical user interface   </a:t>
+            </a:r>
+          </a:p>
+          <a:p>
+            <a:r>
+              <a:rPr lang="en-US" sz="2000" dirty="0"/>
+              <a:t>Imported new libraries </a:t>
+            </a:r>
+          </a:p>
+          <a:p>
+            <a:pPr lvl="1"/>
+            <a:r>
+              <a:rPr lang="en-US" sz="2000" b="1" dirty="0"/>
+              <a:t>import </a:t>
+            </a:r>
+            <a:r>
+              <a:rPr lang="en-US" sz="2000" b="1" dirty="0" err="1"/>
+              <a:t>tkinter</a:t>
+            </a:r>
+            <a:r>
+              <a:rPr lang="en-US" sz="2000" b="1" dirty="0"/>
+              <a:t> as </a:t>
+            </a:r>
+            <a:r>
+              <a:rPr lang="en-US" sz="2000" b="1" dirty="0" err="1"/>
+              <a:t>tk</a:t>
+            </a:r>
+            <a:endParaRPr lang="en-US" sz="2000" b="1" dirty="0"/>
+          </a:p>
+          <a:p>
+            <a:pPr lvl="1"/>
+            <a:r>
+              <a:rPr lang="en-US" sz="2000" b="1" dirty="0"/>
+              <a:t>from </a:t>
+            </a:r>
+            <a:r>
+              <a:rPr lang="en-US" sz="2000" b="1" dirty="0" err="1"/>
+              <a:t>tkinter</a:t>
+            </a:r>
+            <a:r>
+              <a:rPr lang="en-US" sz="2000" b="1" dirty="0"/>
+              <a:t> import </a:t>
+            </a:r>
+            <a:r>
+              <a:rPr lang="en-US" sz="2000" b="1" dirty="0" err="1"/>
+              <a:t>scrolledtext</a:t>
+            </a:r>
+            <a:endParaRPr lang="en-US" sz="2000" b="1" dirty="0"/>
+          </a:p>
+          <a:p>
+            <a:pPr lvl="1"/>
+            <a:r>
+              <a:rPr lang="en-US" sz="2000" b="1" dirty="0"/>
+              <a:t>from </a:t>
+            </a:r>
+            <a:r>
+              <a:rPr lang="en-US" sz="2000" b="1" dirty="0" err="1"/>
+              <a:t>tkinter.scrolledtext</a:t>
+            </a:r>
+            <a:r>
+              <a:rPr lang="en-US" sz="2000" b="1" dirty="0"/>
+              <a:t> import</a:t>
+            </a:r>
+          </a:p>
+          <a:p>
+            <a:endParaRPr lang="en-US" sz="2000" dirty="0"/>
+          </a:p>
+          <a:p>
+            <a:pPr marL="0" indent="0">
+              <a:buNone/>
+            </a:pPr>
+            <a:r>
+              <a:rPr lang="en-US" sz="2000" dirty="0"/>
+              <a:t> </a:t>
             </a:r>
           </a:p>
         </p:txBody>
@@ -7875,6 +7910,15 @@
 </file>
 
 <file path=customXml/item1.xml><?xml version="1.0" encoding="utf-8"?>
+<?mso-contentType ?>
+<FormTemplates xmlns="http://schemas.microsoft.com/sharepoint/v3/contenttype/forms">
+  <Display>DocumentLibraryForm</Display>
+  <Edit>DocumentLibraryForm</Edit>
+  <New>DocumentLibraryForm</New>
+</FormTemplates>
+</file>
+
+<file path=customXml/item2.xml><?xml version="1.0" encoding="utf-8"?>
 <ct:contentTypeSchema xmlns:ct="http://schemas.microsoft.com/office/2006/metadata/contentType" xmlns:ma="http://schemas.microsoft.com/office/2006/metadata/properties/metaAttributes" ct:_="" ma:_="" ma:contentTypeName="Document" ma:contentTypeID="0x010100BDB441152AF54A49A6F83494EA0A763C" ma:contentTypeVersion="4" ma:contentTypeDescription="Create a new document." ma:contentTypeScope="" ma:versionID="671146618493dcc99cc9cbbdc19d50a7">
   <xsd:schema xmlns:xsd="http://www.w3.org/2001/XMLSchema" xmlns:xs="http://www.w3.org/2001/XMLSchema" xmlns:p="http://schemas.microsoft.com/office/2006/metadata/properties" xmlns:ns2="21890a2c-92a5-4b68-8beb-d86ac893645e" targetNamespace="http://schemas.microsoft.com/office/2006/metadata/properties" ma:root="true" ma:fieldsID="a41588dcc19e6aebf75e314a96303f8c" ns2:_="">
     <xsd:import namespace="21890a2c-92a5-4b68-8beb-d86ac893645e"/>
@@ -8020,15 +8064,6 @@
 </ct:contentTypeSchema>
 </file>
 
-<file path=customXml/item2.xml><?xml version="1.0" encoding="utf-8"?>
-<?mso-contentType ?>
-<FormTemplates xmlns="http://schemas.microsoft.com/sharepoint/v3/contenttype/forms">
-  <Display>DocumentLibraryForm</Display>
-  <Edit>DocumentLibraryForm</Edit>
-  <New>DocumentLibraryForm</New>
-</FormTemplates>
-</file>
-
 <file path=customXml/item3.xml><?xml version="1.0" encoding="utf-8"?>
 <p:properties xmlns:p="http://schemas.microsoft.com/office/2006/metadata/properties" xmlns:xsi="http://www.w3.org/2001/XMLSchema-instance" xmlns:pc="http://schemas.microsoft.com/office/infopath/2007/PartnerControls">
   <documentManagement/>
@@ -8036,6 +8071,14 @@
 </file>
 
 <file path=customXml/itemProps1.xml><?xml version="1.0" encoding="utf-8"?>
+<ds:datastoreItem xmlns:ds="http://schemas.openxmlformats.org/officeDocument/2006/customXml" ds:itemID="{67825028-B3EE-414D-BC3E-38D867519AC0}">
+  <ds:schemaRefs>
+    <ds:schemaRef ds:uri="http://schemas.microsoft.com/sharepoint/v3/contenttype/forms"/>
+  </ds:schemaRefs>
+</ds:datastoreItem>
+</file>
+
+<file path=customXml/itemProps2.xml><?xml version="1.0" encoding="utf-8"?>
 <ds:datastoreItem xmlns:ds="http://schemas.openxmlformats.org/officeDocument/2006/customXml" ds:itemID="{2336A640-288C-4AF1-8DFE-084E269183F9}">
   <ds:schemaRefs>
     <ds:schemaRef ds:uri="http://schemas.microsoft.com/office/2006/metadata/contentType"/>
@@ -8049,14 +8092,6 @@
     <ds:schemaRef ds:uri="http://purl.org/dc/elements/1.1/"/>
     <ds:schemaRef ds:uri="http://purl.org/dc/terms/"/>
     <ds:schemaRef ds:uri="http://schemas.microsoft.com/internal/obd"/>
-  </ds:schemaRefs>
-</ds:datastoreItem>
-</file>
-
-<file path=customXml/itemProps2.xml><?xml version="1.0" encoding="utf-8"?>
-<ds:datastoreItem xmlns:ds="http://schemas.openxmlformats.org/officeDocument/2006/customXml" ds:itemID="{67825028-B3EE-414D-BC3E-38D867519AC0}">
-  <ds:schemaRefs>
-    <ds:schemaRef ds:uri="http://schemas.microsoft.com/sharepoint/v3/contenttype/forms"/>
   </ds:schemaRefs>
 </ds:datastoreItem>
 </file>
